--- a/FAPbI3样品跟踪-xbw.pptx
+++ b/FAPbI3样品跟踪-xbw.pptx
@@ -9,6 +9,7 @@
     <p:sldId id="287" r:id="rId3"/>
     <p:sldId id="286" r:id="rId4"/>
     <p:sldId id="283" r:id="rId5"/>
+    <p:sldId id="288" r:id="rId6"/>
   </p:sldIdLst>
   <p:sldSz cx="12192000" cy="6858000"/>
   <p:notesSz cx="6858000" cy="9144000"/>
@@ -107,6 +108,11 @@
       </a:defRPr>
     </a:lvl9pPr>
   </p:defaultTextStyle>
+  <p:extLst>
+    <p:ext uri="{EFAFB233-063F-42B5-8137-9DF3F51BA10A}">
+      <p15:sldGuideLst xmlns:p15="http://schemas.microsoft.com/office/powerpoint/2012/main"/>
+    </p:ext>
+  </p:extLst>
 </p:presentation>
 </file>
 
@@ -257,7 +263,7 @@
           <a:p>
             <a:fld id="{44771A5E-CFB4-4075-8ED1-73A4BC0F83D4}" type="datetimeFigureOut">
               <a:rPr lang="zh-CN" altLang="en-US" smtClean="0"/>
-              <a:t>2024/9/28</a:t>
+              <a:t>2024/9/29</a:t>
             </a:fld>
             <a:endParaRPr lang="zh-CN" altLang="en-US"/>
           </a:p>
@@ -455,7 +461,7 @@
           <a:p>
             <a:fld id="{44771A5E-CFB4-4075-8ED1-73A4BC0F83D4}" type="datetimeFigureOut">
               <a:rPr lang="zh-CN" altLang="en-US" smtClean="0"/>
-              <a:t>2024/9/28</a:t>
+              <a:t>2024/9/29</a:t>
             </a:fld>
             <a:endParaRPr lang="zh-CN" altLang="en-US"/>
           </a:p>
@@ -663,7 +669,7 @@
           <a:p>
             <a:fld id="{44771A5E-CFB4-4075-8ED1-73A4BC0F83D4}" type="datetimeFigureOut">
               <a:rPr lang="zh-CN" altLang="en-US" smtClean="0"/>
-              <a:t>2024/9/28</a:t>
+              <a:t>2024/9/29</a:t>
             </a:fld>
             <a:endParaRPr lang="zh-CN" altLang="en-US"/>
           </a:p>
@@ -776,7 +782,7 @@
           <a:p>
             <a:fld id="{407A2EF7-7F0C-4E84-B18C-B3F19A6758E7}" type="datetimeFigureOut">
               <a:rPr lang="en-HK" smtClean="0"/>
-              <a:t>28/9/2024</a:t>
+              <a:t>29/9/2024</a:t>
             </a:fld>
             <a:endParaRPr lang="en-HK"/>
           </a:p>
@@ -974,7 +980,7 @@
           <a:p>
             <a:fld id="{44771A5E-CFB4-4075-8ED1-73A4BC0F83D4}" type="datetimeFigureOut">
               <a:rPr lang="zh-CN" altLang="en-US" smtClean="0"/>
-              <a:t>2024/9/28</a:t>
+              <a:t>2024/9/29</a:t>
             </a:fld>
             <a:endParaRPr lang="zh-CN" altLang="en-US"/>
           </a:p>
@@ -1249,7 +1255,7 @@
           <a:p>
             <a:fld id="{44771A5E-CFB4-4075-8ED1-73A4BC0F83D4}" type="datetimeFigureOut">
               <a:rPr lang="zh-CN" altLang="en-US" smtClean="0"/>
-              <a:t>2024/9/28</a:t>
+              <a:t>2024/9/29</a:t>
             </a:fld>
             <a:endParaRPr lang="zh-CN" altLang="en-US"/>
           </a:p>
@@ -1514,7 +1520,7 @@
           <a:p>
             <a:fld id="{44771A5E-CFB4-4075-8ED1-73A4BC0F83D4}" type="datetimeFigureOut">
               <a:rPr lang="zh-CN" altLang="en-US" smtClean="0"/>
-              <a:t>2024/9/28</a:t>
+              <a:t>2024/9/29</a:t>
             </a:fld>
             <a:endParaRPr lang="zh-CN" altLang="en-US"/>
           </a:p>
@@ -1926,7 +1932,7 @@
           <a:p>
             <a:fld id="{44771A5E-CFB4-4075-8ED1-73A4BC0F83D4}" type="datetimeFigureOut">
               <a:rPr lang="zh-CN" altLang="en-US" smtClean="0"/>
-              <a:t>2024/9/28</a:t>
+              <a:t>2024/9/29</a:t>
             </a:fld>
             <a:endParaRPr lang="zh-CN" altLang="en-US"/>
           </a:p>
@@ -2067,7 +2073,7 @@
           <a:p>
             <a:fld id="{44771A5E-CFB4-4075-8ED1-73A4BC0F83D4}" type="datetimeFigureOut">
               <a:rPr lang="zh-CN" altLang="en-US" smtClean="0"/>
-              <a:t>2024/9/28</a:t>
+              <a:t>2024/9/29</a:t>
             </a:fld>
             <a:endParaRPr lang="zh-CN" altLang="en-US"/>
           </a:p>
@@ -2180,7 +2186,7 @@
           <a:p>
             <a:fld id="{44771A5E-CFB4-4075-8ED1-73A4BC0F83D4}" type="datetimeFigureOut">
               <a:rPr lang="zh-CN" altLang="en-US" smtClean="0"/>
-              <a:t>2024/9/28</a:t>
+              <a:t>2024/9/29</a:t>
             </a:fld>
             <a:endParaRPr lang="zh-CN" altLang="en-US"/>
           </a:p>
@@ -2491,7 +2497,7 @@
           <a:p>
             <a:fld id="{44771A5E-CFB4-4075-8ED1-73A4BC0F83D4}" type="datetimeFigureOut">
               <a:rPr lang="zh-CN" altLang="en-US" smtClean="0"/>
-              <a:t>2024/9/28</a:t>
+              <a:t>2024/9/29</a:t>
             </a:fld>
             <a:endParaRPr lang="zh-CN" altLang="en-US"/>
           </a:p>
@@ -2779,7 +2785,7 @@
           <a:p>
             <a:fld id="{44771A5E-CFB4-4075-8ED1-73A4BC0F83D4}" type="datetimeFigureOut">
               <a:rPr lang="zh-CN" altLang="en-US" smtClean="0"/>
-              <a:t>2024/9/28</a:t>
+              <a:t>2024/9/29</a:t>
             </a:fld>
             <a:endParaRPr lang="zh-CN" altLang="en-US"/>
           </a:p>
@@ -3020,7 +3026,7 @@
           <a:p>
             <a:fld id="{44771A5E-CFB4-4075-8ED1-73A4BC0F83D4}" type="datetimeFigureOut">
               <a:rPr lang="zh-CN" altLang="en-US" smtClean="0"/>
-              <a:t>2024/9/28</a:t>
+              <a:t>2024/9/29</a:t>
             </a:fld>
             <a:endParaRPr lang="zh-CN" altLang="en-US"/>
           </a:p>
@@ -4411,6 +4417,327 @@
 </p:sld>
 </file>
 
+<file path=ppt/slides/slide5.xml><?xml version="1.0" encoding="utf-8"?>
+<p:sld xmlns:a="http://schemas.openxmlformats.org/drawingml/2006/main" xmlns:r="http://schemas.openxmlformats.org/officeDocument/2006/relationships" xmlns:p="http://schemas.openxmlformats.org/presentationml/2006/main">
+  <p:cSld>
+    <p:spTree>
+      <p:nvGrpSpPr>
+        <p:cNvPr id="1" name=""/>
+        <p:cNvGrpSpPr/>
+        <p:nvPr/>
+      </p:nvGrpSpPr>
+      <p:grpSpPr>
+        <a:xfrm>
+          <a:off x="0" y="0"/>
+          <a:ext cx="0" cy="0"/>
+          <a:chOff x="0" y="0"/>
+          <a:chExt cx="0" cy="0"/>
+        </a:xfrm>
+      </p:grpSpPr>
+      <p:sp>
+        <p:nvSpPr>
+          <p:cNvPr id="3" name="文本框 2">
+            <a:extLst>
+              <a:ext uri="{FF2B5EF4-FFF2-40B4-BE49-F238E27FC236}">
+                <a16:creationId xmlns:a16="http://schemas.microsoft.com/office/drawing/2014/main" id="{C3A4F34F-B8D3-A917-0E21-2D58FE0A5884}"/>
+              </a:ext>
+            </a:extLst>
+          </p:cNvPr>
+          <p:cNvSpPr txBox="1"/>
+          <p:nvPr/>
+        </p:nvSpPr>
+        <p:spPr>
+          <a:xfrm>
+            <a:off x="311827" y="231890"/>
+            <a:ext cx="1576072" cy="369332"/>
+          </a:xfrm>
+          <a:prstGeom prst="rect">
+            <a:avLst/>
+          </a:prstGeom>
+          <a:noFill/>
+        </p:spPr>
+        <p:txBody>
+          <a:bodyPr wrap="none" rtlCol="0">
+            <a:spAutoFit/>
+          </a:bodyPr>
+          <a:lstStyle/>
+          <a:p>
+            <a:r>
+              <a:rPr lang="zh-CN" altLang="en-US" dirty="0"/>
+              <a:t>样品跟踪</a:t>
+            </a:r>
+            <a:r>
+              <a:rPr lang="en-US" altLang="zh-CN" dirty="0"/>
+              <a:t>0928</a:t>
+            </a:r>
+            <a:endParaRPr lang="zh-CN" altLang="en-US" dirty="0"/>
+          </a:p>
+        </p:txBody>
+      </p:sp>
+      <p:sp>
+        <p:nvSpPr>
+          <p:cNvPr id="4" name="文本框 3">
+            <a:extLst>
+              <a:ext uri="{FF2B5EF4-FFF2-40B4-BE49-F238E27FC236}">
+                <a16:creationId xmlns:a16="http://schemas.microsoft.com/office/drawing/2014/main" id="{6937997F-2C9B-0257-3016-AE2E2347E655}"/>
+              </a:ext>
+            </a:extLst>
+          </p:cNvPr>
+          <p:cNvSpPr txBox="1"/>
+          <p:nvPr/>
+        </p:nvSpPr>
+        <p:spPr>
+          <a:xfrm>
+            <a:off x="1473435" y="5176809"/>
+            <a:ext cx="1468672" cy="369332"/>
+          </a:xfrm>
+          <a:prstGeom prst="rect">
+            <a:avLst/>
+          </a:prstGeom>
+          <a:noFill/>
+        </p:spPr>
+        <p:txBody>
+          <a:bodyPr wrap="none" rtlCol="0">
+            <a:spAutoFit/>
+          </a:bodyPr>
+          <a:lstStyle/>
+          <a:p>
+            <a:r>
+              <a:rPr lang="en-US" altLang="zh-CN" dirty="0"/>
+              <a:t>&lt;240920010&gt;</a:t>
+            </a:r>
+            <a:endParaRPr lang="zh-CN" altLang="en-US" dirty="0"/>
+          </a:p>
+        </p:txBody>
+      </p:sp>
+      <p:sp>
+        <p:nvSpPr>
+          <p:cNvPr id="5" name="文本框 4">
+            <a:extLst>
+              <a:ext uri="{FF2B5EF4-FFF2-40B4-BE49-F238E27FC236}">
+                <a16:creationId xmlns:a16="http://schemas.microsoft.com/office/drawing/2014/main" id="{BAF67BA6-0992-F05E-0166-15564F8D26B0}"/>
+              </a:ext>
+            </a:extLst>
+          </p:cNvPr>
+          <p:cNvSpPr txBox="1"/>
+          <p:nvPr/>
+        </p:nvSpPr>
+        <p:spPr>
+          <a:xfrm>
+            <a:off x="3265221" y="5190930"/>
+            <a:ext cx="1468672" cy="369332"/>
+          </a:xfrm>
+          <a:prstGeom prst="rect">
+            <a:avLst/>
+          </a:prstGeom>
+          <a:noFill/>
+        </p:spPr>
+        <p:txBody>
+          <a:bodyPr wrap="none" rtlCol="0">
+            <a:spAutoFit/>
+          </a:bodyPr>
+          <a:lstStyle/>
+          <a:p>
+            <a:r>
+              <a:rPr lang="en-US" altLang="zh-CN" dirty="0"/>
+              <a:t>&lt;240921020&gt;</a:t>
+            </a:r>
+            <a:endParaRPr lang="zh-CN" altLang="en-US" dirty="0"/>
+          </a:p>
+        </p:txBody>
+      </p:sp>
+      <p:sp>
+        <p:nvSpPr>
+          <p:cNvPr id="6" name="文本框 5">
+            <a:extLst>
+              <a:ext uri="{FF2B5EF4-FFF2-40B4-BE49-F238E27FC236}">
+                <a16:creationId xmlns:a16="http://schemas.microsoft.com/office/drawing/2014/main" id="{4AAF4544-AC03-77B0-D7A6-FDC3C01E79A1}"/>
+              </a:ext>
+            </a:extLst>
+          </p:cNvPr>
+          <p:cNvSpPr txBox="1"/>
+          <p:nvPr/>
+        </p:nvSpPr>
+        <p:spPr>
+          <a:xfrm>
+            <a:off x="5042534" y="5209465"/>
+            <a:ext cx="1468672" cy="369332"/>
+          </a:xfrm>
+          <a:prstGeom prst="rect">
+            <a:avLst/>
+          </a:prstGeom>
+          <a:noFill/>
+        </p:spPr>
+        <p:txBody>
+          <a:bodyPr wrap="none" rtlCol="0">
+            <a:spAutoFit/>
+          </a:bodyPr>
+          <a:lstStyle/>
+          <a:p>
+            <a:r>
+              <a:rPr lang="en-US" altLang="zh-CN" dirty="0"/>
+              <a:t>&lt;240921010&gt;</a:t>
+            </a:r>
+            <a:endParaRPr lang="zh-CN" altLang="en-US" dirty="0"/>
+          </a:p>
+        </p:txBody>
+      </p:sp>
+      <p:sp>
+        <p:nvSpPr>
+          <p:cNvPr id="7" name="文本框 6">
+            <a:extLst>
+              <a:ext uri="{FF2B5EF4-FFF2-40B4-BE49-F238E27FC236}">
+                <a16:creationId xmlns:a16="http://schemas.microsoft.com/office/drawing/2014/main" id="{5485B2E9-42D7-C229-E90F-9228C6293DE1}"/>
+              </a:ext>
+            </a:extLst>
+          </p:cNvPr>
+          <p:cNvSpPr txBox="1"/>
+          <p:nvPr/>
+        </p:nvSpPr>
+        <p:spPr>
+          <a:xfrm>
+            <a:off x="6723773" y="5231851"/>
+            <a:ext cx="1468672" cy="369332"/>
+          </a:xfrm>
+          <a:prstGeom prst="rect">
+            <a:avLst/>
+          </a:prstGeom>
+          <a:noFill/>
+        </p:spPr>
+        <p:txBody>
+          <a:bodyPr wrap="none" rtlCol="0">
+            <a:spAutoFit/>
+          </a:bodyPr>
+          <a:lstStyle/>
+          <a:p>
+            <a:r>
+              <a:rPr lang="en-US" altLang="zh-CN" dirty="0"/>
+              <a:t>&lt;240925010&gt;</a:t>
+            </a:r>
+            <a:endParaRPr lang="zh-CN" altLang="en-US" dirty="0"/>
+          </a:p>
+        </p:txBody>
+      </p:sp>
+      <p:sp>
+        <p:nvSpPr>
+          <p:cNvPr id="8" name="文本框 7">
+            <a:extLst>
+              <a:ext uri="{FF2B5EF4-FFF2-40B4-BE49-F238E27FC236}">
+                <a16:creationId xmlns:a16="http://schemas.microsoft.com/office/drawing/2014/main" id="{89F21890-D548-0478-BABC-AD4072064936}"/>
+              </a:ext>
+            </a:extLst>
+          </p:cNvPr>
+          <p:cNvSpPr txBox="1"/>
+          <p:nvPr/>
+        </p:nvSpPr>
+        <p:spPr>
+          <a:xfrm>
+            <a:off x="8104337" y="5231851"/>
+            <a:ext cx="1468672" cy="369332"/>
+          </a:xfrm>
+          <a:prstGeom prst="rect">
+            <a:avLst/>
+          </a:prstGeom>
+          <a:noFill/>
+        </p:spPr>
+        <p:txBody>
+          <a:bodyPr wrap="none" rtlCol="0">
+            <a:spAutoFit/>
+          </a:bodyPr>
+          <a:lstStyle/>
+          <a:p>
+            <a:r>
+              <a:rPr lang="en-US" altLang="zh-CN" dirty="0"/>
+              <a:t>&lt;240925020&gt;</a:t>
+            </a:r>
+            <a:endParaRPr lang="zh-CN" altLang="en-US" dirty="0"/>
+          </a:p>
+        </p:txBody>
+      </p:sp>
+      <p:pic>
+        <p:nvPicPr>
+          <p:cNvPr id="10" name="图片 9">
+            <a:extLst>
+              <a:ext uri="{FF2B5EF4-FFF2-40B4-BE49-F238E27FC236}">
+                <a16:creationId xmlns:a16="http://schemas.microsoft.com/office/drawing/2014/main" id="{B1AE0B31-5D35-69B1-AFEF-04E85CF92711}"/>
+              </a:ext>
+            </a:extLst>
+          </p:cNvPr>
+          <p:cNvPicPr>
+            <a:picLocks noChangeAspect="1"/>
+          </p:cNvPicPr>
+          <p:nvPr/>
+        </p:nvPicPr>
+        <p:blipFill>
+          <a:blip r:embed="rId2">
+            <a:extLst>
+              <a:ext uri="{28A0092B-C50C-407E-A947-70E740481C1C}">
+                <a14:useLocalDpi xmlns:a14="http://schemas.microsoft.com/office/drawing/2010/main" val="0"/>
+              </a:ext>
+            </a:extLst>
+          </a:blip>
+          <a:srcRect l="16624" t="24476" r="12967" b="37881"/>
+          <a:stretch/>
+        </p:blipFill>
+        <p:spPr>
+          <a:xfrm>
+            <a:off x="1807648" y="1192332"/>
+            <a:ext cx="9014405" cy="3613197"/>
+          </a:xfrm>
+          <a:prstGeom prst="rect">
+            <a:avLst/>
+          </a:prstGeom>
+        </p:spPr>
+      </p:pic>
+      <p:sp>
+        <p:nvSpPr>
+          <p:cNvPr id="11" name="文本框 10">
+            <a:extLst>
+              <a:ext uri="{FF2B5EF4-FFF2-40B4-BE49-F238E27FC236}">
+                <a16:creationId xmlns:a16="http://schemas.microsoft.com/office/drawing/2014/main" id="{DCF339E2-95DD-20BE-BE4B-7C9A8DB0C7E0}"/>
+              </a:ext>
+            </a:extLst>
+          </p:cNvPr>
+          <p:cNvSpPr txBox="1"/>
+          <p:nvPr/>
+        </p:nvSpPr>
+        <p:spPr>
+          <a:xfrm>
+            <a:off x="9573009" y="5231851"/>
+            <a:ext cx="1588897" cy="369332"/>
+          </a:xfrm>
+          <a:prstGeom prst="rect">
+            <a:avLst/>
+          </a:prstGeom>
+          <a:noFill/>
+        </p:spPr>
+        <p:txBody>
+          <a:bodyPr wrap="none" rtlCol="0">
+            <a:spAutoFit/>
+          </a:bodyPr>
+          <a:lstStyle/>
+          <a:p>
+            <a:r>
+              <a:rPr lang="en-US" altLang="zh-CN" dirty="0"/>
+              <a:t>&lt;240927020&gt;</a:t>
+            </a:r>
+            <a:endParaRPr lang="zh-CN" altLang="en-US" dirty="0"/>
+          </a:p>
+        </p:txBody>
+      </p:sp>
+    </p:spTree>
+    <p:extLst>
+      <p:ext uri="{BB962C8B-B14F-4D97-AF65-F5344CB8AC3E}">
+        <p14:creationId xmlns:p14="http://schemas.microsoft.com/office/powerpoint/2010/main" val="1217266771"/>
+      </p:ext>
+    </p:extLst>
+  </p:cSld>
+  <p:clrMapOvr>
+    <a:masterClrMapping/>
+  </p:clrMapOvr>
+</p:sld>
+</file>
+
 <file path=ppt/theme/theme1.xml><?xml version="1.0" encoding="utf-8"?>
 <a:theme xmlns:a="http://schemas.openxmlformats.org/drawingml/2006/main" name="Office 主题​​">
   <a:themeElements>
